--- a/Crypto/AES/RTL view and test/Test.pptx
+++ b/Crypto/AES/RTL view and test/Test.pptx
@@ -6,6 +6,7 @@
   </p:sldMasterIdLst>
   <p:sldIdLst>
     <p:sldId id="256" r:id="rId2"/>
+    <p:sldId id="257" r:id="rId3"/>
   </p:sldIdLst>
   <p:sldSz cx="12192000" cy="6858000"/>
   <p:notesSz cx="6858000" cy="9144000"/>
@@ -3318,172 +3319,378 @@
           <a:chExt cx="0" cy="0"/>
         </a:xfrm>
       </p:grpSpPr>
-      <p:pic>
-        <p:nvPicPr>
-          <p:cNvPr id="5" name="Picture 4" descr="A screenshot of a computer&#10;&#10;Description automatically generated">
-            <a:extLst>
-              <a:ext uri="{FF2B5EF4-FFF2-40B4-BE49-F238E27FC236}">
-                <a16:creationId xmlns:a16="http://schemas.microsoft.com/office/drawing/2014/main" id="{77491CE8-C1F3-45F8-BFB8-57BC4442E3BE}"/>
-              </a:ext>
-            </a:extLst>
-          </p:cNvPr>
-          <p:cNvPicPr>
-            <a:picLocks noChangeAspect="1"/>
-          </p:cNvPicPr>
+      <p:grpSp>
+        <p:nvGrpSpPr>
+          <p:cNvPr id="10" name="Group 9">
+            <a:extLst>
+              <a:ext uri="{FF2B5EF4-FFF2-40B4-BE49-F238E27FC236}">
+                <a16:creationId xmlns:a16="http://schemas.microsoft.com/office/drawing/2014/main" id="{1B6A70B4-5403-DFDB-91D4-2077BAAA2A17}"/>
+              </a:ext>
+            </a:extLst>
+          </p:cNvPr>
+          <p:cNvGrpSpPr/>
           <p:nvPr/>
-        </p:nvPicPr>
-        <p:blipFill rotWithShape="1">
-          <a:blip r:embed="rId2"/>
-          <a:srcRect r="56250"/>
-          <a:stretch/>
-        </p:blipFill>
-        <p:spPr>
+        </p:nvGrpSpPr>
+        <p:grpSpPr>
           <a:xfrm>
-            <a:off x="0" y="1295400"/>
-            <a:ext cx="3400425" cy="2720340"/>
+            <a:off x="2695575" y="2068830"/>
+            <a:ext cx="6800850" cy="2720340"/>
+            <a:chOff x="0" y="1295400"/>
+            <a:chExt cx="6800850" cy="2720340"/>
           </a:xfrm>
-          <a:prstGeom prst="rect">
-            <a:avLst/>
-          </a:prstGeom>
-        </p:spPr>
-      </p:pic>
-      <p:pic>
-        <p:nvPicPr>
-          <p:cNvPr id="7" name="Picture 6" descr="A screenshot of a computer&#10;&#10;Description automatically generated">
-            <a:extLst>
-              <a:ext uri="{FF2B5EF4-FFF2-40B4-BE49-F238E27FC236}">
-                <a16:creationId xmlns:a16="http://schemas.microsoft.com/office/drawing/2014/main" id="{24E8F9A3-B44B-AA09-772A-4C14A2E43F23}"/>
-              </a:ext>
-            </a:extLst>
-          </p:cNvPr>
-          <p:cNvPicPr>
-            <a:picLocks noChangeAspect="1"/>
-          </p:cNvPicPr>
-          <p:nvPr/>
-        </p:nvPicPr>
-        <p:blipFill rotWithShape="1">
-          <a:blip r:embed="rId2"/>
-          <a:srcRect l="56250"/>
-          <a:stretch/>
-        </p:blipFill>
-        <p:spPr>
-          <a:xfrm>
-            <a:off x="3400425" y="1295400"/>
-            <a:ext cx="3400425" cy="2720340"/>
-          </a:xfrm>
-          <a:prstGeom prst="rect">
-            <a:avLst/>
-          </a:prstGeom>
-        </p:spPr>
-      </p:pic>
-      <p:sp>
-        <p:nvSpPr>
-          <p:cNvPr id="8" name="Rectangle 7">
-            <a:extLst>
-              <a:ext uri="{FF2B5EF4-FFF2-40B4-BE49-F238E27FC236}">
-                <a16:creationId xmlns:a16="http://schemas.microsoft.com/office/drawing/2014/main" id="{5614BE5A-B717-B124-C601-2450FD2A2355}"/>
-              </a:ext>
-            </a:extLst>
-          </p:cNvPr>
-          <p:cNvSpPr/>
-          <p:nvPr/>
-        </p:nvSpPr>
-        <p:spPr>
-          <a:xfrm>
-            <a:off x="0" y="1725105"/>
-            <a:ext cx="3271101" cy="2149311"/>
-          </a:xfrm>
-          <a:prstGeom prst="rect">
-            <a:avLst/>
-          </a:prstGeom>
-          <a:noFill/>
-          <a:ln w="38100">
-            <a:solidFill>
-              <a:srgbClr val="C00000"/>
-            </a:solidFill>
-          </a:ln>
-        </p:spPr>
-        <p:style>
-          <a:lnRef idx="2">
-            <a:schemeClr val="accent1">
-              <a:shade val="50000"/>
-            </a:schemeClr>
-          </a:lnRef>
-          <a:fillRef idx="1">
-            <a:schemeClr val="accent1"/>
-          </a:fillRef>
-          <a:effectRef idx="0">
-            <a:schemeClr val="accent1"/>
-          </a:effectRef>
-          <a:fontRef idx="minor">
-            <a:schemeClr val="lt1"/>
-          </a:fontRef>
-        </p:style>
-        <p:txBody>
-          <a:bodyPr rtlCol="0" anchor="ctr"/>
-          <a:lstStyle/>
-          <a:p>
-            <a:pPr algn="ctr"/>
-            <a:endParaRPr lang="cy-GB"/>
-          </a:p>
-        </p:txBody>
-      </p:sp>
-      <p:sp>
-        <p:nvSpPr>
-          <p:cNvPr id="9" name="Rectangle 8">
-            <a:extLst>
-              <a:ext uri="{FF2B5EF4-FFF2-40B4-BE49-F238E27FC236}">
-                <a16:creationId xmlns:a16="http://schemas.microsoft.com/office/drawing/2014/main" id="{DBAA575A-AA87-65E1-53B1-27339C9B198B}"/>
-              </a:ext>
-            </a:extLst>
-          </p:cNvPr>
-          <p:cNvSpPr/>
-          <p:nvPr/>
-        </p:nvSpPr>
-        <p:spPr>
-          <a:xfrm>
-            <a:off x="3412503" y="2264004"/>
-            <a:ext cx="3388347" cy="846841"/>
-          </a:xfrm>
-          <a:prstGeom prst="rect">
-            <a:avLst/>
-          </a:prstGeom>
-          <a:noFill/>
-          <a:ln w="38100">
-            <a:solidFill>
-              <a:srgbClr val="C00000"/>
-            </a:solidFill>
-          </a:ln>
-        </p:spPr>
-        <p:style>
-          <a:lnRef idx="2">
-            <a:schemeClr val="accent1">
-              <a:shade val="50000"/>
-            </a:schemeClr>
-          </a:lnRef>
-          <a:fillRef idx="1">
-            <a:schemeClr val="accent1"/>
-          </a:fillRef>
-          <a:effectRef idx="0">
-            <a:schemeClr val="accent1"/>
-          </a:effectRef>
-          <a:fontRef idx="minor">
-            <a:schemeClr val="lt1"/>
-          </a:fontRef>
-        </p:style>
-        <p:txBody>
-          <a:bodyPr rtlCol="0" anchor="ctr"/>
-          <a:lstStyle/>
-          <a:p>
-            <a:pPr algn="ctr"/>
-            <a:endParaRPr lang="cy-GB"/>
-          </a:p>
-        </p:txBody>
-      </p:sp>
+        </p:grpSpPr>
+        <p:pic>
+          <p:nvPicPr>
+            <p:cNvPr id="5" name="Picture 4" descr="A screenshot of a computer&#10;&#10;Description automatically generated">
+              <a:extLst>
+                <a:ext uri="{FF2B5EF4-FFF2-40B4-BE49-F238E27FC236}">
+                  <a16:creationId xmlns:a16="http://schemas.microsoft.com/office/drawing/2014/main" id="{77491CE8-C1F3-45F8-BFB8-57BC4442E3BE}"/>
+                </a:ext>
+              </a:extLst>
+            </p:cNvPr>
+            <p:cNvPicPr>
+              <a:picLocks noChangeAspect="1"/>
+            </p:cNvPicPr>
+            <p:nvPr/>
+          </p:nvPicPr>
+          <p:blipFill rotWithShape="1">
+            <a:blip r:embed="rId2"/>
+            <a:srcRect r="56250"/>
+            <a:stretch/>
+          </p:blipFill>
+          <p:spPr>
+            <a:xfrm>
+              <a:off x="0" y="1295400"/>
+              <a:ext cx="3400425" cy="2720340"/>
+            </a:xfrm>
+            <a:prstGeom prst="rect">
+              <a:avLst/>
+            </a:prstGeom>
+          </p:spPr>
+        </p:pic>
+        <p:pic>
+          <p:nvPicPr>
+            <p:cNvPr id="7" name="Picture 6" descr="A screenshot of a computer&#10;&#10;Description automatically generated">
+              <a:extLst>
+                <a:ext uri="{FF2B5EF4-FFF2-40B4-BE49-F238E27FC236}">
+                  <a16:creationId xmlns:a16="http://schemas.microsoft.com/office/drawing/2014/main" id="{24E8F9A3-B44B-AA09-772A-4C14A2E43F23}"/>
+                </a:ext>
+              </a:extLst>
+            </p:cNvPr>
+            <p:cNvPicPr>
+              <a:picLocks noChangeAspect="1"/>
+            </p:cNvPicPr>
+            <p:nvPr/>
+          </p:nvPicPr>
+          <p:blipFill rotWithShape="1">
+            <a:blip r:embed="rId2"/>
+            <a:srcRect l="56250"/>
+            <a:stretch/>
+          </p:blipFill>
+          <p:spPr>
+            <a:xfrm>
+              <a:off x="3400425" y="1295400"/>
+              <a:ext cx="3400425" cy="2720340"/>
+            </a:xfrm>
+            <a:prstGeom prst="rect">
+              <a:avLst/>
+            </a:prstGeom>
+          </p:spPr>
+        </p:pic>
+        <p:sp>
+          <p:nvSpPr>
+            <p:cNvPr id="8" name="Rectangle 7">
+              <a:extLst>
+                <a:ext uri="{FF2B5EF4-FFF2-40B4-BE49-F238E27FC236}">
+                  <a16:creationId xmlns:a16="http://schemas.microsoft.com/office/drawing/2014/main" id="{5614BE5A-B717-B124-C601-2450FD2A2355}"/>
+                </a:ext>
+              </a:extLst>
+            </p:cNvPr>
+            <p:cNvSpPr/>
+            <p:nvPr/>
+          </p:nvSpPr>
+          <p:spPr>
+            <a:xfrm>
+              <a:off x="0" y="1725105"/>
+              <a:ext cx="3271101" cy="2149311"/>
+            </a:xfrm>
+            <a:prstGeom prst="rect">
+              <a:avLst/>
+            </a:prstGeom>
+            <a:noFill/>
+            <a:ln w="38100">
+              <a:solidFill>
+                <a:srgbClr val="C00000"/>
+              </a:solidFill>
+            </a:ln>
+          </p:spPr>
+          <p:style>
+            <a:lnRef idx="2">
+              <a:schemeClr val="accent1">
+                <a:shade val="50000"/>
+              </a:schemeClr>
+            </a:lnRef>
+            <a:fillRef idx="1">
+              <a:schemeClr val="accent1"/>
+            </a:fillRef>
+            <a:effectRef idx="0">
+              <a:schemeClr val="accent1"/>
+            </a:effectRef>
+            <a:fontRef idx="minor">
+              <a:schemeClr val="lt1"/>
+            </a:fontRef>
+          </p:style>
+          <p:txBody>
+            <a:bodyPr rtlCol="0" anchor="ctr"/>
+            <a:lstStyle/>
+            <a:p>
+              <a:pPr algn="ctr"/>
+              <a:endParaRPr lang="cy-GB"/>
+            </a:p>
+          </p:txBody>
+        </p:sp>
+        <p:sp>
+          <p:nvSpPr>
+            <p:cNvPr id="9" name="Rectangle 8">
+              <a:extLst>
+                <a:ext uri="{FF2B5EF4-FFF2-40B4-BE49-F238E27FC236}">
+                  <a16:creationId xmlns:a16="http://schemas.microsoft.com/office/drawing/2014/main" id="{DBAA575A-AA87-65E1-53B1-27339C9B198B}"/>
+                </a:ext>
+              </a:extLst>
+            </p:cNvPr>
+            <p:cNvSpPr/>
+            <p:nvPr/>
+          </p:nvSpPr>
+          <p:spPr>
+            <a:xfrm>
+              <a:off x="3412503" y="2264004"/>
+              <a:ext cx="3388347" cy="846841"/>
+            </a:xfrm>
+            <a:prstGeom prst="rect">
+              <a:avLst/>
+            </a:prstGeom>
+            <a:noFill/>
+            <a:ln w="38100">
+              <a:solidFill>
+                <a:srgbClr val="C00000"/>
+              </a:solidFill>
+            </a:ln>
+          </p:spPr>
+          <p:style>
+            <a:lnRef idx="2">
+              <a:schemeClr val="accent1">
+                <a:shade val="50000"/>
+              </a:schemeClr>
+            </a:lnRef>
+            <a:fillRef idx="1">
+              <a:schemeClr val="accent1"/>
+            </a:fillRef>
+            <a:effectRef idx="0">
+              <a:schemeClr val="accent1"/>
+            </a:effectRef>
+            <a:fontRef idx="minor">
+              <a:schemeClr val="lt1"/>
+            </a:fontRef>
+          </p:style>
+          <p:txBody>
+            <a:bodyPr rtlCol="0" anchor="ctr"/>
+            <a:lstStyle/>
+            <a:p>
+              <a:pPr algn="ctr"/>
+              <a:endParaRPr lang="cy-GB"/>
+            </a:p>
+          </p:txBody>
+        </p:sp>
+      </p:grpSp>
     </p:spTree>
     <p:extLst>
       <p:ext uri="{BB962C8B-B14F-4D97-AF65-F5344CB8AC3E}">
         <p14:creationId xmlns:p14="http://schemas.microsoft.com/office/powerpoint/2010/main" val="253984730"/>
+      </p:ext>
+    </p:extLst>
+  </p:cSld>
+  <p:clrMapOvr>
+    <a:masterClrMapping/>
+  </p:clrMapOvr>
+</p:sld>
+</file>
+
+<file path=ppt/slides/slide2.xml><?xml version="1.0" encoding="utf-8"?>
+<p:sld xmlns:a="http://schemas.openxmlformats.org/drawingml/2006/main" xmlns:r="http://schemas.openxmlformats.org/officeDocument/2006/relationships" xmlns:p="http://schemas.openxmlformats.org/presentationml/2006/main">
+  <p:cSld>
+    <p:spTree>
+      <p:nvGrpSpPr>
+        <p:cNvPr id="1" name=""/>
+        <p:cNvGrpSpPr/>
+        <p:nvPr/>
+      </p:nvGrpSpPr>
+      <p:grpSpPr>
+        <a:xfrm>
+          <a:off x="0" y="0"/>
+          <a:ext cx="0" cy="0"/>
+          <a:chOff x="0" y="0"/>
+          <a:chExt cx="0" cy="0"/>
+        </a:xfrm>
+      </p:grpSpPr>
+      <p:grpSp>
+        <p:nvGrpSpPr>
+          <p:cNvPr id="17" name="Group 16">
+            <a:extLst>
+              <a:ext uri="{FF2B5EF4-FFF2-40B4-BE49-F238E27FC236}">
+                <a16:creationId xmlns:a16="http://schemas.microsoft.com/office/drawing/2014/main" id="{70C5971D-3DA1-420D-86FB-4570886BE2C6}"/>
+              </a:ext>
+            </a:extLst>
+          </p:cNvPr>
+          <p:cNvGrpSpPr/>
+          <p:nvPr/>
+        </p:nvGrpSpPr>
+        <p:grpSpPr>
+          <a:xfrm>
+            <a:off x="2209800" y="2378156"/>
+            <a:ext cx="7772400" cy="2101687"/>
+            <a:chOff x="2209798" y="0"/>
+            <a:chExt cx="7772400" cy="2101687"/>
+          </a:xfrm>
+        </p:grpSpPr>
+        <p:pic>
+          <p:nvPicPr>
+            <p:cNvPr id="14" name="Picture 13" descr="A screenshot of a computer&#10;&#10;Description automatically generated">
+              <a:extLst>
+                <a:ext uri="{FF2B5EF4-FFF2-40B4-BE49-F238E27FC236}">
+                  <a16:creationId xmlns:a16="http://schemas.microsoft.com/office/drawing/2014/main" id="{561E34B7-4A4F-D46D-CAE3-1BF7931A87DD}"/>
+                </a:ext>
+              </a:extLst>
+            </p:cNvPr>
+            <p:cNvPicPr>
+              <a:picLocks noChangeAspect="1"/>
+            </p:cNvPicPr>
+            <p:nvPr/>
+          </p:nvPicPr>
+          <p:blipFill>
+            <a:blip r:embed="rId2"/>
+            <a:stretch>
+              <a:fillRect/>
+            </a:stretch>
+          </p:blipFill>
+          <p:spPr>
+            <a:xfrm>
+              <a:off x="2209798" y="0"/>
+              <a:ext cx="7772400" cy="2101687"/>
+            </a:xfrm>
+            <a:prstGeom prst="rect">
+              <a:avLst/>
+            </a:prstGeom>
+          </p:spPr>
+        </p:pic>
+        <p:sp>
+          <p:nvSpPr>
+            <p:cNvPr id="15" name="Rectangle 14">
+              <a:extLst>
+                <a:ext uri="{FF2B5EF4-FFF2-40B4-BE49-F238E27FC236}">
+                  <a16:creationId xmlns:a16="http://schemas.microsoft.com/office/drawing/2014/main" id="{2F8F4930-882F-2BC3-EF44-F5F2DF3BD07A}"/>
+                </a:ext>
+              </a:extLst>
+            </p:cNvPr>
+            <p:cNvSpPr/>
+            <p:nvPr/>
+          </p:nvSpPr>
+          <p:spPr>
+            <a:xfrm>
+              <a:off x="2209801" y="744216"/>
+              <a:ext cx="4381004" cy="570016"/>
+            </a:xfrm>
+            <a:prstGeom prst="rect">
+              <a:avLst/>
+            </a:prstGeom>
+            <a:noFill/>
+            <a:ln w="38100">
+              <a:solidFill>
+                <a:srgbClr val="C00000"/>
+              </a:solidFill>
+            </a:ln>
+          </p:spPr>
+          <p:style>
+            <a:lnRef idx="2">
+              <a:schemeClr val="accent1">
+                <a:shade val="50000"/>
+              </a:schemeClr>
+            </a:lnRef>
+            <a:fillRef idx="1">
+              <a:schemeClr val="accent1"/>
+            </a:fillRef>
+            <a:effectRef idx="0">
+              <a:schemeClr val="accent1"/>
+            </a:effectRef>
+            <a:fontRef idx="minor">
+              <a:schemeClr val="lt1"/>
+            </a:fontRef>
+          </p:style>
+          <p:txBody>
+            <a:bodyPr rtlCol="0" anchor="ctr"/>
+            <a:lstStyle/>
+            <a:p>
+              <a:pPr algn="ctr"/>
+              <a:endParaRPr lang="cy-GB"/>
+            </a:p>
+          </p:txBody>
+        </p:sp>
+        <p:sp>
+          <p:nvSpPr>
+            <p:cNvPr id="16" name="Rectangle 15">
+              <a:extLst>
+                <a:ext uri="{FF2B5EF4-FFF2-40B4-BE49-F238E27FC236}">
+                  <a16:creationId xmlns:a16="http://schemas.microsoft.com/office/drawing/2014/main" id="{DB131E68-0CD5-05F8-F3DB-7D9828FA1C9A}"/>
+                </a:ext>
+              </a:extLst>
+            </p:cNvPr>
+            <p:cNvSpPr/>
+            <p:nvPr/>
+          </p:nvSpPr>
+          <p:spPr>
+            <a:xfrm>
+              <a:off x="6745183" y="688548"/>
+              <a:ext cx="3237015" cy="800343"/>
+            </a:xfrm>
+            <a:prstGeom prst="rect">
+              <a:avLst/>
+            </a:prstGeom>
+            <a:noFill/>
+            <a:ln w="38100">
+              <a:solidFill>
+                <a:srgbClr val="C00000"/>
+              </a:solidFill>
+            </a:ln>
+          </p:spPr>
+          <p:style>
+            <a:lnRef idx="2">
+              <a:schemeClr val="accent1">
+                <a:shade val="50000"/>
+              </a:schemeClr>
+            </a:lnRef>
+            <a:fillRef idx="1">
+              <a:schemeClr val="accent1"/>
+            </a:fillRef>
+            <a:effectRef idx="0">
+              <a:schemeClr val="accent1"/>
+            </a:effectRef>
+            <a:fontRef idx="minor">
+              <a:schemeClr val="lt1"/>
+            </a:fontRef>
+          </p:style>
+          <p:txBody>
+            <a:bodyPr rtlCol="0" anchor="ctr"/>
+            <a:lstStyle/>
+            <a:p>
+              <a:pPr algn="ctr"/>
+              <a:endParaRPr lang="cy-GB"/>
+            </a:p>
+          </p:txBody>
+        </p:sp>
+      </p:grpSp>
+    </p:spTree>
+    <p:extLst>
+      <p:ext uri="{BB962C8B-B14F-4D97-AF65-F5344CB8AC3E}">
+        <p14:creationId xmlns:p14="http://schemas.microsoft.com/office/powerpoint/2010/main" val="1097557220"/>
       </p:ext>
     </p:extLst>
   </p:cSld>
